--- a/2016/计划书总结.pptx
+++ b/2016/计划书总结.pptx
@@ -6,15 +6,7 @@
   </p:sldMasterIdLst>
   <p:sldIdLst>
     <p:sldId id="256" r:id="rId2"/>
-    <p:sldId id="299" r:id="rId3"/>
-    <p:sldId id="297" r:id="rId4"/>
-    <p:sldId id="286" r:id="rId5"/>
-    <p:sldId id="300" r:id="rId6"/>
-    <p:sldId id="301" r:id="rId7"/>
-    <p:sldId id="302" r:id="rId8"/>
-    <p:sldId id="303" r:id="rId9"/>
-    <p:sldId id="304" r:id="rId10"/>
-    <p:sldId id="307" r:id="rId11"/>
+    <p:sldId id="257" r:id="rId3"/>
   </p:sldIdLst>
   <p:sldSz cx="9144000" cy="6858000" type="screen4x3"/>
   <p:notesSz cx="6858000" cy="9144000"/>
@@ -3254,601 +3246,6 @@
 </p:sld>
 </file>
 
-<file path=ppt/slides/slide10.xml><?xml version="1.0" encoding="utf-8"?>
-<p:sld xmlns:a="http://schemas.openxmlformats.org/drawingml/2006/main" xmlns:r="http://schemas.openxmlformats.org/officeDocument/2006/relationships" xmlns:p="http://schemas.openxmlformats.org/presentationml/2006/main">
-  <p:cSld>
-    <p:spTree>
-      <p:nvGrpSpPr>
-        <p:cNvPr id="1" name=""/>
-        <p:cNvGrpSpPr/>
-        <p:nvPr/>
-      </p:nvGrpSpPr>
-      <p:grpSpPr>
-        <a:xfrm>
-          <a:off x="0" y="0"/>
-          <a:ext cx="0" cy="0"/>
-          <a:chOff x="0" y="0"/>
-          <a:chExt cx="0" cy="0"/>
-        </a:xfrm>
-      </p:grpSpPr>
-      <p:sp>
-        <p:nvSpPr>
-          <p:cNvPr id="2" name="Title 1"/>
-          <p:cNvSpPr>
-            <a:spLocks noGrp="1"/>
-          </p:cNvSpPr>
-          <p:nvPr>
-            <p:ph type="title"/>
-          </p:nvPr>
-        </p:nvSpPr>
-        <p:spPr/>
-        <p:txBody>
-          <a:bodyPr/>
-          <a:lstStyle/>
-          <a:p>
-            <a:r>
-              <a:rPr lang="zh-CN" altLang="en-US" dirty="0" smtClean="0"/>
-              <a:t>作业建议 </a:t>
-            </a:r>
-            <a:r>
-              <a:rPr lang="en-US" altLang="zh-CN" dirty="0" smtClean="0"/>
-              <a:t>W5 </a:t>
-            </a:r>
-            <a:r>
-              <a:rPr lang="zh-CN" altLang="en-US" dirty="0" smtClean="0"/>
-              <a:t>（下周评审）</a:t>
-            </a:r>
-            <a:endParaRPr lang="en-US" dirty="0"/>
-          </a:p>
-        </p:txBody>
-      </p:sp>
-      <p:sp>
-        <p:nvSpPr>
-          <p:cNvPr id="3" name="Content Placeholder 2"/>
-          <p:cNvSpPr>
-            <a:spLocks noGrp="1"/>
-          </p:cNvSpPr>
-          <p:nvPr>
-            <p:ph idx="1"/>
-          </p:nvPr>
-        </p:nvSpPr>
-        <p:spPr>
-          <a:xfrm>
-            <a:off x="231353" y="1580920"/>
-            <a:ext cx="8846545" cy="5120089"/>
-          </a:xfrm>
-        </p:spPr>
-        <p:txBody>
-          <a:bodyPr>
-            <a:normAutofit fontScale="77500" lnSpcReduction="20000"/>
-          </a:bodyPr>
-          <a:lstStyle/>
-          <a:p>
-            <a:pPr fontAlgn="ctr"/>
-            <a:r>
-              <a:rPr lang="en-US" altLang="zh-CN" b="1" dirty="0" smtClean="0">
-                <a:solidFill>
-                  <a:srgbClr val="FFFF00"/>
-                </a:solidFill>
-              </a:rPr>
-              <a:t>1. </a:t>
-            </a:r>
-            <a:r>
-              <a:rPr lang="zh-CN" altLang="en-US" b="1" dirty="0" smtClean="0">
-                <a:solidFill>
-                  <a:srgbClr val="FFFF00"/>
-                </a:solidFill>
-              </a:rPr>
-              <a:t>这</a:t>
-            </a:r>
-            <a:r>
-              <a:rPr lang="zh-CN" altLang="en-US" b="1" dirty="0">
-                <a:solidFill>
-                  <a:srgbClr val="FFFF00"/>
-                </a:solidFill>
-              </a:rPr>
-              <a:t>节</a:t>
-            </a:r>
-            <a:r>
-              <a:rPr lang="zh-CN" altLang="en-US" b="1" dirty="0" smtClean="0">
-                <a:solidFill>
-                  <a:srgbClr val="FFFF00"/>
-                </a:solidFill>
-              </a:rPr>
-              <a:t>课下课以后在</a:t>
-            </a:r>
-            <a:r>
-              <a:rPr lang="en-US" altLang="zh-CN" b="1" dirty="0" err="1" smtClean="0">
-                <a:solidFill>
-                  <a:srgbClr val="FFFF00"/>
-                </a:solidFill>
-              </a:rPr>
-              <a:t>Github</a:t>
-            </a:r>
-            <a:r>
-              <a:rPr lang="zh-CN" altLang="en-US" b="1" dirty="0" smtClean="0">
-                <a:solidFill>
-                  <a:srgbClr val="FFFF00"/>
-                </a:solidFill>
-              </a:rPr>
-              <a:t>上提交的</a:t>
-            </a:r>
-            <a:r>
-              <a:rPr lang="en-US" altLang="zh-CN" b="1" dirty="0" smtClean="0">
-                <a:solidFill>
-                  <a:srgbClr val="FFFF00"/>
-                </a:solidFill>
-              </a:rPr>
-              <a:t>Commit</a:t>
-            </a:r>
-            <a:r>
-              <a:rPr lang="zh-CN" altLang="en-US" b="1" dirty="0" smtClean="0">
-                <a:solidFill>
-                  <a:srgbClr val="FFFF00"/>
-                </a:solidFill>
-              </a:rPr>
-              <a:t>，都需要在</a:t>
-            </a:r>
-            <a:r>
-              <a:rPr lang="en-US" altLang="zh-CN" b="1" dirty="0" smtClean="0">
-                <a:solidFill>
-                  <a:srgbClr val="FFFF00"/>
-                </a:solidFill>
-              </a:rPr>
-              <a:t>Summary</a:t>
-            </a:r>
-            <a:r>
-              <a:rPr lang="zh-CN" altLang="en-US" b="1" dirty="0" smtClean="0">
-                <a:solidFill>
-                  <a:srgbClr val="FFFF00"/>
-                </a:solidFill>
-              </a:rPr>
-              <a:t>添加前缀为“</a:t>
-            </a:r>
-            <a:r>
-              <a:rPr lang="en-US" altLang="zh-CN" b="1" dirty="0">
-                <a:solidFill>
-                  <a:srgbClr val="FFC000"/>
-                </a:solidFill>
-              </a:rPr>
-              <a:t>5</a:t>
-            </a:r>
-            <a:r>
-              <a:rPr lang="en-US" altLang="zh-CN" b="1" dirty="0" smtClean="0">
-                <a:solidFill>
-                  <a:srgbClr val="FFC000"/>
-                </a:solidFill>
-              </a:rPr>
-              <a:t>-</a:t>
-            </a:r>
-            <a:r>
-              <a:rPr lang="zh-CN" altLang="en-US" b="1" dirty="0" smtClean="0">
-                <a:solidFill>
-                  <a:srgbClr val="FFFF00"/>
-                </a:solidFill>
-              </a:rPr>
-              <a:t>”</a:t>
-            </a:r>
-            <a:r>
-              <a:rPr lang="en-US" b="1" dirty="0" smtClean="0">
-                <a:solidFill>
-                  <a:srgbClr val="FF0000"/>
-                </a:solidFill>
-              </a:rPr>
-              <a:t>  </a:t>
-            </a:r>
-            <a:endParaRPr lang="en-US" b="1" dirty="0">
-              <a:solidFill>
-                <a:srgbClr val="FF0000"/>
-              </a:solidFill>
-            </a:endParaRPr>
-          </a:p>
-          <a:p>
-            <a:pPr fontAlgn="ctr"/>
-            <a:r>
-              <a:rPr lang="en-US" altLang="zh-CN" dirty="0" smtClean="0"/>
-              <a:t>2. </a:t>
-            </a:r>
-            <a:r>
-              <a:rPr lang="zh-CN" altLang="en-US" dirty="0" smtClean="0"/>
-              <a:t>继续修改完善本组任务分解分配</a:t>
-            </a:r>
-            <a:endParaRPr lang="en-US" altLang="zh-CN" dirty="0" smtClean="0"/>
-          </a:p>
-          <a:p>
-            <a:pPr fontAlgn="ctr"/>
-            <a:r>
-              <a:rPr lang="en-US" altLang="zh-CN" dirty="0" smtClean="0"/>
-              <a:t>3. </a:t>
-            </a:r>
-            <a:r>
-              <a:rPr lang="zh-CN" altLang="en-US" b="1" dirty="0" smtClean="0">
-                <a:solidFill>
-                  <a:srgbClr val="FFC000"/>
-                </a:solidFill>
-              </a:rPr>
-              <a:t>要求</a:t>
-            </a:r>
-            <a:r>
-              <a:rPr lang="zh-CN" altLang="en-US" dirty="0" smtClean="0"/>
-              <a:t>完成进度、成本</a:t>
-            </a:r>
-            <a:r>
-              <a:rPr lang="zh-CN" altLang="en-US" dirty="0"/>
-              <a:t>的</a:t>
-            </a:r>
-            <a:r>
-              <a:rPr lang="zh-CN" altLang="en-US" dirty="0" smtClean="0"/>
-              <a:t>监控 （</a:t>
-            </a:r>
-            <a:r>
-              <a:rPr lang="en-US" altLang="zh-CN" dirty="0" smtClean="0"/>
-              <a:t>MS Project</a:t>
-            </a:r>
-            <a:r>
-              <a:rPr lang="zh-CN" altLang="en-US" dirty="0" smtClean="0"/>
-              <a:t>）</a:t>
-            </a:r>
-            <a:endParaRPr lang="en-US" altLang="zh-CN" dirty="0" smtClean="0"/>
-          </a:p>
-          <a:p>
-            <a:pPr lvl="1" fontAlgn="ctr"/>
-            <a:r>
-              <a:rPr lang="zh-CN" altLang="en-US" dirty="0" smtClean="0"/>
-              <a:t>实现进度过程可追溯；</a:t>
-            </a:r>
-            <a:endParaRPr lang="en-US" altLang="zh-CN" dirty="0" smtClean="0"/>
-          </a:p>
-          <a:p>
-            <a:pPr lvl="1" fontAlgn="ctr"/>
-            <a:r>
-              <a:rPr lang="zh-CN" altLang="en-US" dirty="0" smtClean="0"/>
-              <a:t>为事后统计提供依据：人时数统计、效率评估（人时</a:t>
-            </a:r>
-            <a:r>
-              <a:rPr lang="en-US" altLang="zh-CN" dirty="0" smtClean="0"/>
-              <a:t>/</a:t>
-            </a:r>
-            <a:r>
-              <a:rPr lang="zh-CN" altLang="en-US" dirty="0" smtClean="0"/>
-              <a:t>页、人时</a:t>
-            </a:r>
-            <a:r>
-              <a:rPr lang="en-US" altLang="zh-CN" dirty="0" smtClean="0"/>
-              <a:t>/</a:t>
-            </a:r>
-            <a:r>
-              <a:rPr lang="zh-CN" altLang="en-US" dirty="0" smtClean="0"/>
-              <a:t>行）</a:t>
-            </a:r>
-            <a:endParaRPr lang="en-US" altLang="zh-CN" dirty="0" smtClean="0"/>
-          </a:p>
-          <a:p>
-            <a:pPr fontAlgn="ctr"/>
-            <a:endParaRPr lang="en-US" altLang="zh-CN" dirty="0"/>
-          </a:p>
-          <a:p>
-            <a:pPr fontAlgn="ctr"/>
-            <a:r>
-              <a:rPr lang="zh-CN" altLang="en-US" dirty="0" smtClean="0"/>
-              <a:t>研究学习别组的任务分解分配及进度成本监控，准备评审意见</a:t>
-            </a:r>
-            <a:endParaRPr lang="en-US" dirty="0"/>
-          </a:p>
-        </p:txBody>
-      </p:sp>
-    </p:spTree>
-    <p:extLst>
-      <p:ext uri="{BB962C8B-B14F-4D97-AF65-F5344CB8AC3E}">
-        <p14:creationId xmlns:p14="http://schemas.microsoft.com/office/powerpoint/2010/main" val="1715279971"/>
-      </p:ext>
-    </p:extLst>
-  </p:cSld>
-  <p:clrMapOvr>
-    <a:masterClrMapping/>
-  </p:clrMapOvr>
-  <mc:AlternateContent xmlns:mc="http://schemas.openxmlformats.org/markup-compatibility/2006" xmlns:p14="http://schemas.microsoft.com/office/powerpoint/2010/main">
-    <mc:Choice Requires="p14">
-      <p:transition spd="slow" p14:dur="2000"/>
-    </mc:Choice>
-    <mc:Fallback xmlns="">
-      <p:transition spd="slow"/>
-    </mc:Fallback>
-  </mc:AlternateContent>
-  <p:timing>
-    <p:tnLst>
-      <p:par>
-        <p:cTn id="1" dur="indefinite" restart="never" nodeType="tmRoot">
-          <p:childTnLst>
-            <p:seq concurrent="1" nextAc="seek">
-              <p:cTn id="2" dur="indefinite" nodeType="mainSeq">
-                <p:childTnLst>
-                  <p:par>
-                    <p:cTn id="3" fill="hold">
-                      <p:stCondLst>
-                        <p:cond delay="indefinite"/>
-                      </p:stCondLst>
-                      <p:childTnLst>
-                        <p:par>
-                          <p:cTn id="4" fill="hold">
-                            <p:stCondLst>
-                              <p:cond delay="0"/>
-                            </p:stCondLst>
-                            <p:childTnLst>
-                              <p:par>
-                                <p:cTn id="5" presetID="1" presetClass="entr" presetSubtype="0" fill="hold" grpId="0" nodeType="clickEffect">
-                                  <p:stCondLst>
-                                    <p:cond delay="0"/>
-                                  </p:stCondLst>
-                                  <p:childTnLst>
-                                    <p:set>
-                                      <p:cBhvr>
-                                        <p:cTn id="6" dur="1" fill="hold">
-                                          <p:stCondLst>
-                                            <p:cond delay="0"/>
-                                          </p:stCondLst>
-                                        </p:cTn>
-                                        <p:tgtEl>
-                                          <p:spTgt spid="3">
-                                            <p:txEl>
-                                              <p:pRg st="0" end="0"/>
-                                            </p:txEl>
-                                          </p:spTgt>
-                                        </p:tgtEl>
-                                        <p:attrNameLst>
-                                          <p:attrName>style.visibility</p:attrName>
-                                        </p:attrNameLst>
-                                      </p:cBhvr>
-                                      <p:to>
-                                        <p:strVal val="visible"/>
-                                      </p:to>
-                                    </p:set>
-                                  </p:childTnLst>
-                                </p:cTn>
-                              </p:par>
-                            </p:childTnLst>
-                          </p:cTn>
-                        </p:par>
-                      </p:childTnLst>
-                    </p:cTn>
-                  </p:par>
-                  <p:par>
-                    <p:cTn id="7" fill="hold">
-                      <p:stCondLst>
-                        <p:cond delay="indefinite"/>
-                      </p:stCondLst>
-                      <p:childTnLst>
-                        <p:par>
-                          <p:cTn id="8" fill="hold">
-                            <p:stCondLst>
-                              <p:cond delay="0"/>
-                            </p:stCondLst>
-                            <p:childTnLst>
-                              <p:par>
-                                <p:cTn id="9" presetID="1" presetClass="entr" presetSubtype="0" fill="hold" grpId="0" nodeType="clickEffect">
-                                  <p:stCondLst>
-                                    <p:cond delay="0"/>
-                                  </p:stCondLst>
-                                  <p:childTnLst>
-                                    <p:set>
-                                      <p:cBhvr>
-                                        <p:cTn id="10" dur="1" fill="hold">
-                                          <p:stCondLst>
-                                            <p:cond delay="0"/>
-                                          </p:stCondLst>
-                                        </p:cTn>
-                                        <p:tgtEl>
-                                          <p:spTgt spid="3">
-                                            <p:txEl>
-                                              <p:pRg st="1" end="1"/>
-                                            </p:txEl>
-                                          </p:spTgt>
-                                        </p:tgtEl>
-                                        <p:attrNameLst>
-                                          <p:attrName>style.visibility</p:attrName>
-                                        </p:attrNameLst>
-                                      </p:cBhvr>
-                                      <p:to>
-                                        <p:strVal val="visible"/>
-                                      </p:to>
-                                    </p:set>
-                                  </p:childTnLst>
-                                </p:cTn>
-                              </p:par>
-                            </p:childTnLst>
-                          </p:cTn>
-                        </p:par>
-                      </p:childTnLst>
-                    </p:cTn>
-                  </p:par>
-                  <p:par>
-                    <p:cTn id="11" fill="hold">
-                      <p:stCondLst>
-                        <p:cond delay="indefinite"/>
-                      </p:stCondLst>
-                      <p:childTnLst>
-                        <p:par>
-                          <p:cTn id="12" fill="hold">
-                            <p:stCondLst>
-                              <p:cond delay="0"/>
-                            </p:stCondLst>
-                            <p:childTnLst>
-                              <p:par>
-                                <p:cTn id="13" presetID="1" presetClass="entr" presetSubtype="0" fill="hold" grpId="0" nodeType="clickEffect">
-                                  <p:stCondLst>
-                                    <p:cond delay="0"/>
-                                  </p:stCondLst>
-                                  <p:childTnLst>
-                                    <p:set>
-                                      <p:cBhvr>
-                                        <p:cTn id="14" dur="1" fill="hold">
-                                          <p:stCondLst>
-                                            <p:cond delay="0"/>
-                                          </p:stCondLst>
-                                        </p:cTn>
-                                        <p:tgtEl>
-                                          <p:spTgt spid="3">
-                                            <p:txEl>
-                                              <p:pRg st="2" end="2"/>
-                                            </p:txEl>
-                                          </p:spTgt>
-                                        </p:tgtEl>
-                                        <p:attrNameLst>
-                                          <p:attrName>style.visibility</p:attrName>
-                                        </p:attrNameLst>
-                                      </p:cBhvr>
-                                      <p:to>
-                                        <p:strVal val="visible"/>
-                                      </p:to>
-                                    </p:set>
-                                  </p:childTnLst>
-                                </p:cTn>
-                              </p:par>
-                              <p:par>
-                                <p:cTn id="15" presetID="1" presetClass="entr" presetSubtype="0" fill="hold" grpId="0" nodeType="withEffect">
-                                  <p:stCondLst>
-                                    <p:cond delay="0"/>
-                                  </p:stCondLst>
-                                  <p:childTnLst>
-                                    <p:set>
-                                      <p:cBhvr>
-                                        <p:cTn id="16" dur="1" fill="hold">
-                                          <p:stCondLst>
-                                            <p:cond delay="0"/>
-                                          </p:stCondLst>
-                                        </p:cTn>
-                                        <p:tgtEl>
-                                          <p:spTgt spid="3">
-                                            <p:txEl>
-                                              <p:pRg st="3" end="3"/>
-                                            </p:txEl>
-                                          </p:spTgt>
-                                        </p:tgtEl>
-                                        <p:attrNameLst>
-                                          <p:attrName>style.visibility</p:attrName>
-                                        </p:attrNameLst>
-                                      </p:cBhvr>
-                                      <p:to>
-                                        <p:strVal val="visible"/>
-                                      </p:to>
-                                    </p:set>
-                                  </p:childTnLst>
-                                </p:cTn>
-                              </p:par>
-                              <p:par>
-                                <p:cTn id="17" presetID="1" presetClass="entr" presetSubtype="0" fill="hold" grpId="0" nodeType="withEffect">
-                                  <p:stCondLst>
-                                    <p:cond delay="0"/>
-                                  </p:stCondLst>
-                                  <p:childTnLst>
-                                    <p:set>
-                                      <p:cBhvr>
-                                        <p:cTn id="18" dur="1" fill="hold">
-                                          <p:stCondLst>
-                                            <p:cond delay="0"/>
-                                          </p:stCondLst>
-                                        </p:cTn>
-                                        <p:tgtEl>
-                                          <p:spTgt spid="3">
-                                            <p:txEl>
-                                              <p:pRg st="4" end="4"/>
-                                            </p:txEl>
-                                          </p:spTgt>
-                                        </p:tgtEl>
-                                        <p:attrNameLst>
-                                          <p:attrName>style.visibility</p:attrName>
-                                        </p:attrNameLst>
-                                      </p:cBhvr>
-                                      <p:to>
-                                        <p:strVal val="visible"/>
-                                      </p:to>
-                                    </p:set>
-                                  </p:childTnLst>
-                                </p:cTn>
-                              </p:par>
-                            </p:childTnLst>
-                          </p:cTn>
-                        </p:par>
-                      </p:childTnLst>
-                    </p:cTn>
-                  </p:par>
-                  <p:par>
-                    <p:cTn id="19" fill="hold">
-                      <p:stCondLst>
-                        <p:cond delay="indefinite"/>
-                      </p:stCondLst>
-                      <p:childTnLst>
-                        <p:par>
-                          <p:cTn id="20" fill="hold">
-                            <p:stCondLst>
-                              <p:cond delay="0"/>
-                            </p:stCondLst>
-                            <p:childTnLst>
-                              <p:par>
-                                <p:cTn id="21" presetID="1" presetClass="entr" presetSubtype="0" fill="hold" grpId="0" nodeType="clickEffect">
-                                  <p:stCondLst>
-                                    <p:cond delay="0"/>
-                                  </p:stCondLst>
-                                  <p:childTnLst>
-                                    <p:set>
-                                      <p:cBhvr>
-                                        <p:cTn id="22" dur="1" fill="hold">
-                                          <p:stCondLst>
-                                            <p:cond delay="0"/>
-                                          </p:stCondLst>
-                                        </p:cTn>
-                                        <p:tgtEl>
-                                          <p:spTgt spid="3">
-                                            <p:txEl>
-                                              <p:pRg st="6" end="6"/>
-                                            </p:txEl>
-                                          </p:spTgt>
-                                        </p:tgtEl>
-                                        <p:attrNameLst>
-                                          <p:attrName>style.visibility</p:attrName>
-                                        </p:attrNameLst>
-                                      </p:cBhvr>
-                                      <p:to>
-                                        <p:strVal val="visible"/>
-                                      </p:to>
-                                    </p:set>
-                                  </p:childTnLst>
-                                </p:cTn>
-                              </p:par>
-                            </p:childTnLst>
-                          </p:cTn>
-                        </p:par>
-                      </p:childTnLst>
-                    </p:cTn>
-                  </p:par>
-                </p:childTnLst>
-              </p:cTn>
-              <p:prevCondLst>
-                <p:cond evt="onPrev" delay="0">
-                  <p:tgtEl>
-                    <p:sldTgt/>
-                  </p:tgtEl>
-                </p:cond>
-              </p:prevCondLst>
-              <p:nextCondLst>
-                <p:cond evt="onNext" delay="0">
-                  <p:tgtEl>
-                    <p:sldTgt/>
-                  </p:tgtEl>
-                </p:cond>
-              </p:nextCondLst>
-            </p:seq>
-          </p:childTnLst>
-        </p:cTn>
-      </p:par>
-    </p:tnLst>
-    <p:bldLst>
-      <p:bldP spid="3" grpId="0" uiExpand="1" build="p"/>
-    </p:bldLst>
-  </p:timing>
-</p:sld>
-</file>
-
 <file path=ppt/slides/slide2.xml><?xml version="1.0" encoding="utf-8"?>
 <p:sld xmlns:a="http://schemas.openxmlformats.org/drawingml/2006/main" xmlns:r="http://schemas.openxmlformats.org/officeDocument/2006/relationships" xmlns:p="http://schemas.openxmlformats.org/presentationml/2006/main">
   <p:cSld>
@@ -3881,7 +3278,7 @@
           <a:bodyPr/>
           <a:lstStyle/>
           <a:p>
-            <a:endParaRPr lang="en-US" dirty="0"/>
+            <a:endParaRPr lang="zh-CN" altLang="en-US"/>
           </a:p>
         </p:txBody>
       </p:sp>
@@ -3900,1590 +3297,20 @@
           <a:bodyPr/>
           <a:lstStyle/>
           <a:p>
-            <a:endParaRPr lang="en-US"/>
-          </a:p>
-        </p:txBody>
-      </p:sp>
-      <p:pic>
-        <p:nvPicPr>
-          <p:cNvPr id="4" name="Picture 3"/>
-          <p:cNvPicPr>
-            <a:picLocks noChangeAspect="1"/>
-          </p:cNvPicPr>
-          <p:nvPr/>
-        </p:nvPicPr>
-        <p:blipFill rotWithShape="1">
-          <a:blip r:embed="rId2"/>
-          <a:srcRect t="15052" b="8222"/>
-          <a:stretch/>
-        </p:blipFill>
-        <p:spPr>
-          <a:xfrm>
-            <a:off x="219847" y="263341"/>
-            <a:ext cx="4711836" cy="2259477"/>
-          </a:xfrm>
-          <a:prstGeom prst="roundRect">
-            <a:avLst>
-              <a:gd name="adj" fmla="val 16667"/>
-            </a:avLst>
-          </a:prstGeom>
-          <a:ln>
-            <a:noFill/>
-          </a:ln>
-          <a:effectLst>
-            <a:outerShdw blurRad="152400" dist="12000" dir="900000" sy="98000" kx="110000" ky="200000" algn="tl" rotWithShape="0">
-              <a:srgbClr val="000000">
-                <a:alpha val="30000"/>
-              </a:srgbClr>
-            </a:outerShdw>
-          </a:effectLst>
-          <a:scene3d>
-            <a:camera prst="perspectiveRelaxed">
-              <a:rot lat="19800000" lon="1200000" rev="20820000"/>
-            </a:camera>
-            <a:lightRig rig="threePt" dir="t"/>
-          </a:scene3d>
-          <a:sp3d contourW="6350" prstMaterial="matte">
-            <a:bevelT w="101600" h="101600"/>
-            <a:contourClr>
-              <a:srgbClr val="969696"/>
-            </a:contourClr>
-          </a:sp3d>
-        </p:spPr>
-      </p:pic>
-      <p:pic>
-        <p:nvPicPr>
-          <p:cNvPr id="5" name="Picture 4"/>
-          <p:cNvPicPr>
-            <a:picLocks noChangeAspect="1"/>
-          </p:cNvPicPr>
-          <p:nvPr/>
-        </p:nvPicPr>
-        <p:blipFill rotWithShape="1">
-          <a:blip r:embed="rId3"/>
-          <a:srcRect t="16550" b="7848"/>
-          <a:stretch/>
-        </p:blipFill>
-        <p:spPr>
-          <a:xfrm>
-            <a:off x="3974965" y="1597870"/>
-            <a:ext cx="4711835" cy="2226411"/>
-          </a:xfrm>
-          <a:prstGeom prst="roundRect">
-            <a:avLst>
-              <a:gd name="adj" fmla="val 16667"/>
-            </a:avLst>
-          </a:prstGeom>
-          <a:ln>
-            <a:noFill/>
-          </a:ln>
-          <a:effectLst>
-            <a:outerShdw blurRad="152400" dist="12000" dir="900000" sy="98000" kx="110000" ky="200000" algn="tl" rotWithShape="0">
-              <a:srgbClr val="000000">
-                <a:alpha val="30000"/>
-              </a:srgbClr>
-            </a:outerShdw>
-          </a:effectLst>
-          <a:scene3d>
-            <a:camera prst="perspectiveRelaxed">
-              <a:rot lat="19800000" lon="1200000" rev="20820000"/>
-            </a:camera>
-            <a:lightRig rig="threePt" dir="t"/>
-          </a:scene3d>
-          <a:sp3d contourW="6350" prstMaterial="matte">
-            <a:bevelT w="101600" h="101600"/>
-            <a:contourClr>
-              <a:srgbClr val="969696"/>
-            </a:contourClr>
-          </a:sp3d>
-        </p:spPr>
-      </p:pic>
-      <p:pic>
-        <p:nvPicPr>
-          <p:cNvPr id="6" name="Picture 5"/>
-          <p:cNvPicPr>
-            <a:picLocks noChangeAspect="1"/>
-          </p:cNvPicPr>
-          <p:nvPr/>
-        </p:nvPicPr>
-        <p:blipFill rotWithShape="1">
-          <a:blip r:embed="rId4"/>
-          <a:srcRect t="17298" r="7544" b="7287"/>
-          <a:stretch/>
-        </p:blipFill>
-        <p:spPr>
-          <a:xfrm>
-            <a:off x="91510" y="2965460"/>
-            <a:ext cx="4356382" cy="2220901"/>
-          </a:xfrm>
-          <a:prstGeom prst="roundRect">
-            <a:avLst>
-              <a:gd name="adj" fmla="val 16667"/>
-            </a:avLst>
-          </a:prstGeom>
-          <a:ln>
-            <a:noFill/>
-          </a:ln>
-          <a:effectLst>
-            <a:outerShdw blurRad="152400" dist="12000" dir="900000" sy="98000" kx="110000" ky="200000" algn="tl" rotWithShape="0">
-              <a:srgbClr val="000000">
-                <a:alpha val="30000"/>
-              </a:srgbClr>
-            </a:outerShdw>
-          </a:effectLst>
-          <a:scene3d>
-            <a:camera prst="perspectiveRelaxed">
-              <a:rot lat="19800000" lon="1200000" rev="20820000"/>
-            </a:camera>
-            <a:lightRig rig="threePt" dir="t"/>
-          </a:scene3d>
-          <a:sp3d contourW="6350" prstMaterial="matte">
-            <a:bevelT w="101600" h="101600"/>
-            <a:contourClr>
-              <a:srgbClr val="969696"/>
-            </a:contourClr>
-          </a:sp3d>
-        </p:spPr>
-      </p:pic>
-      <p:pic>
-        <p:nvPicPr>
-          <p:cNvPr id="7" name="Picture 6"/>
-          <p:cNvPicPr>
-            <a:picLocks noChangeAspect="1"/>
-          </p:cNvPicPr>
-          <p:nvPr/>
-        </p:nvPicPr>
-        <p:blipFill rotWithShape="1">
-          <a:blip r:embed="rId5"/>
-          <a:srcRect t="6631" b="7474"/>
-          <a:stretch/>
-        </p:blipFill>
-        <p:spPr>
-          <a:xfrm>
-            <a:off x="3683367" y="4039293"/>
-            <a:ext cx="4711837" cy="2529512"/>
-          </a:xfrm>
-          <a:prstGeom prst="roundRect">
-            <a:avLst>
-              <a:gd name="adj" fmla="val 16667"/>
-            </a:avLst>
-          </a:prstGeom>
-          <a:ln>
-            <a:noFill/>
-          </a:ln>
-          <a:effectLst>
-            <a:outerShdw blurRad="152400" dist="12000" dir="900000" sy="98000" kx="110000" ky="200000" algn="tl" rotWithShape="0">
-              <a:srgbClr val="000000">
-                <a:alpha val="30000"/>
-              </a:srgbClr>
-            </a:outerShdw>
-          </a:effectLst>
-          <a:scene3d>
-            <a:camera prst="perspectiveRelaxed">
-              <a:rot lat="19800000" lon="1200000" rev="20820000"/>
-            </a:camera>
-            <a:lightRig rig="threePt" dir="t"/>
-          </a:scene3d>
-          <a:sp3d contourW="6350" prstMaterial="matte">
-            <a:bevelT w="101600" h="101600"/>
-            <a:contourClr>
-              <a:srgbClr val="969696"/>
-            </a:contourClr>
-          </a:sp3d>
-        </p:spPr>
-      </p:pic>
+            <a:endParaRPr lang="zh-CN" altLang="en-US"/>
+          </a:p>
+        </p:txBody>
+      </p:sp>
     </p:spTree>
     <p:extLst>
       <p:ext uri="{BB962C8B-B14F-4D97-AF65-F5344CB8AC3E}">
-        <p14:creationId xmlns:p14="http://schemas.microsoft.com/office/powerpoint/2010/main" val="2748705262"/>
+        <p14:creationId xmlns:p14="http://schemas.microsoft.com/office/powerpoint/2010/main" val="919610090"/>
       </p:ext>
     </p:extLst>
   </p:cSld>
   <p:clrMapOvr>
     <a:masterClrMapping/>
   </p:clrMapOvr>
-  <p:timing>
-    <p:tnLst>
-      <p:par>
-        <p:cTn id="1" dur="indefinite" restart="never" nodeType="tmRoot"/>
-      </p:par>
-    </p:tnLst>
-  </p:timing>
-</p:sld>
-</file>
-
-<file path=ppt/slides/slide3.xml><?xml version="1.0" encoding="utf-8"?>
-<p:sld xmlns:a="http://schemas.openxmlformats.org/drawingml/2006/main" xmlns:r="http://schemas.openxmlformats.org/officeDocument/2006/relationships" xmlns:p="http://schemas.openxmlformats.org/presentationml/2006/main">
-  <p:cSld>
-    <p:spTree>
-      <p:nvGrpSpPr>
-        <p:cNvPr id="1" name=""/>
-        <p:cNvGrpSpPr/>
-        <p:nvPr/>
-      </p:nvGrpSpPr>
-      <p:grpSpPr>
-        <a:xfrm>
-          <a:off x="0" y="0"/>
-          <a:ext cx="0" cy="0"/>
-          <a:chOff x="0" y="0"/>
-          <a:chExt cx="0" cy="0"/>
-        </a:xfrm>
-      </p:grpSpPr>
-      <p:sp>
-        <p:nvSpPr>
-          <p:cNvPr id="2" name="Title 1"/>
-          <p:cNvSpPr>
-            <a:spLocks noGrp="1"/>
-          </p:cNvSpPr>
-          <p:nvPr>
-            <p:ph type="title"/>
-          </p:nvPr>
-        </p:nvSpPr>
-        <p:spPr/>
-        <p:txBody>
-          <a:bodyPr/>
-          <a:lstStyle/>
-          <a:p>
-            <a:r>
-              <a:rPr lang="zh-CN" altLang="en-US" dirty="0" smtClean="0"/>
-              <a:t>上周作业集体点评</a:t>
-            </a:r>
-            <a:endParaRPr lang="en-US" dirty="0"/>
-          </a:p>
-        </p:txBody>
-      </p:sp>
-      <p:sp>
-        <p:nvSpPr>
-          <p:cNvPr id="3" name="Content Placeholder 2"/>
-          <p:cNvSpPr>
-            <a:spLocks noGrp="1"/>
-          </p:cNvSpPr>
-          <p:nvPr>
-            <p:ph idx="1"/>
-          </p:nvPr>
-        </p:nvSpPr>
-        <p:spPr>
-          <a:xfrm>
-            <a:off x="457200" y="1600200"/>
-            <a:ext cx="8229600" cy="4921786"/>
-          </a:xfrm>
-        </p:spPr>
-        <p:txBody>
-          <a:bodyPr>
-            <a:normAutofit fontScale="85000" lnSpcReduction="20000"/>
-          </a:bodyPr>
-          <a:lstStyle/>
-          <a:p>
-            <a:r>
-              <a:rPr lang="en-US" altLang="zh-CN" dirty="0" smtClean="0"/>
-              <a:t>Summary Task</a:t>
-            </a:r>
-            <a:r>
-              <a:rPr lang="zh-CN" altLang="en-US" dirty="0" smtClean="0"/>
-              <a:t>请不要做人员分配，只有最底层的子任务需要。否则出现资源复用。</a:t>
-            </a:r>
-            <a:endParaRPr lang="en-US" altLang="zh-CN" dirty="0" smtClean="0"/>
-          </a:p>
-          <a:p>
-            <a:r>
-              <a:rPr lang="zh-CN" altLang="en-US" dirty="0"/>
-              <a:t>任务</a:t>
-            </a:r>
-            <a:r>
-              <a:rPr lang="zh-CN" altLang="en-US" dirty="0" smtClean="0"/>
-              <a:t>名避免重复，如：</a:t>
-            </a:r>
-            <a:endParaRPr lang="en-US" altLang="zh-CN" dirty="0" smtClean="0"/>
-          </a:p>
-          <a:p>
-            <a:pPr lvl="1"/>
-            <a:r>
-              <a:rPr lang="en-US" altLang="zh-CN" dirty="0" smtClean="0"/>
-              <a:t>-</a:t>
-            </a:r>
-            <a:r>
-              <a:rPr lang="zh-CN" altLang="en-US" dirty="0" smtClean="0"/>
-              <a:t>上课、开会、答辩 </a:t>
-            </a:r>
-            <a:endParaRPr lang="en-US" altLang="zh-CN" dirty="0" smtClean="0"/>
-          </a:p>
-          <a:p>
-            <a:pPr lvl="1"/>
-            <a:r>
-              <a:rPr lang="en-US" altLang="zh-CN" dirty="0" smtClean="0"/>
-              <a:t>+</a:t>
-            </a:r>
-            <a:r>
-              <a:rPr lang="zh-CN" altLang="en-US" dirty="0" smtClean="0"/>
-              <a:t>上课第四周课、需求商定会、需求评审第二次答辩</a:t>
-            </a:r>
-            <a:endParaRPr lang="en-US" altLang="zh-CN" dirty="0" smtClean="0"/>
-          </a:p>
-          <a:p>
-            <a:r>
-              <a:rPr lang="zh-CN" altLang="en-US" dirty="0" smtClean="0"/>
-              <a:t>部分任务可继续细分：如：</a:t>
-            </a:r>
-            <a:endParaRPr lang="en-US" altLang="zh-CN" dirty="0" smtClean="0"/>
-          </a:p>
-          <a:p>
-            <a:pPr lvl="1"/>
-            <a:r>
-              <a:rPr lang="en-US" altLang="zh-CN" dirty="0" smtClean="0"/>
-              <a:t>-</a:t>
-            </a:r>
-            <a:r>
-              <a:rPr lang="zh-CN" altLang="en-US" dirty="0" smtClean="0"/>
-              <a:t>撰写各自负责的部分 （应分到每位组员）</a:t>
-            </a:r>
-            <a:endParaRPr lang="en-US" altLang="zh-CN" dirty="0" smtClean="0"/>
-          </a:p>
-          <a:p>
-            <a:r>
-              <a:rPr lang="en-US" altLang="zh-CN" dirty="0" smtClean="0"/>
-              <a:t>Unit</a:t>
-            </a:r>
-            <a:r>
-              <a:rPr lang="zh-CN" altLang="en-US" dirty="0" smtClean="0"/>
-              <a:t>使用：开会时的人员不应</a:t>
-            </a:r>
-            <a:r>
-              <a:rPr lang="zh-CN" altLang="en-US" dirty="0"/>
-              <a:t>只有</a:t>
-            </a:r>
-            <a:r>
-              <a:rPr lang="en-US" altLang="zh-CN" dirty="0" smtClean="0"/>
-              <a:t>[50%]</a:t>
-            </a:r>
-            <a:r>
-              <a:rPr lang="zh-CN" altLang="en-US" dirty="0" smtClean="0"/>
-              <a:t>投入</a:t>
-            </a:r>
-            <a:endParaRPr lang="en-US" altLang="zh-CN" dirty="0" smtClean="0"/>
-          </a:p>
-        </p:txBody>
-      </p:sp>
-    </p:spTree>
-    <p:extLst>
-      <p:ext uri="{BB962C8B-B14F-4D97-AF65-F5344CB8AC3E}">
-        <p14:creationId xmlns:p14="http://schemas.microsoft.com/office/powerpoint/2010/main" val="1888469537"/>
-      </p:ext>
-    </p:extLst>
-  </p:cSld>
-  <p:clrMapOvr>
-    <a:masterClrMapping/>
-  </p:clrMapOvr>
-  <p:timing>
-    <p:tnLst>
-      <p:par>
-        <p:cTn id="1" dur="indefinite" restart="never" nodeType="tmRoot"/>
-      </p:par>
-    </p:tnLst>
-  </p:timing>
-</p:sld>
-</file>
-
-<file path=ppt/slides/slide4.xml><?xml version="1.0" encoding="utf-8"?>
-<p:sld xmlns:a="http://schemas.openxmlformats.org/drawingml/2006/main" xmlns:r="http://schemas.openxmlformats.org/officeDocument/2006/relationships" xmlns:p="http://schemas.openxmlformats.org/presentationml/2006/main">
-  <p:cSld>
-    <p:spTree>
-      <p:nvGrpSpPr>
-        <p:cNvPr id="1" name=""/>
-        <p:cNvGrpSpPr/>
-        <p:nvPr/>
-      </p:nvGrpSpPr>
-      <p:grpSpPr>
-        <a:xfrm>
-          <a:off x="0" y="0"/>
-          <a:ext cx="0" cy="0"/>
-          <a:chOff x="0" y="0"/>
-          <a:chExt cx="0" cy="0"/>
-        </a:xfrm>
-      </p:grpSpPr>
-      <p:sp>
-        <p:nvSpPr>
-          <p:cNvPr id="2" name="Title 1"/>
-          <p:cNvSpPr>
-            <a:spLocks noGrp="1"/>
-          </p:cNvSpPr>
-          <p:nvPr>
-            <p:ph type="title"/>
-          </p:nvPr>
-        </p:nvSpPr>
-        <p:spPr/>
-        <p:txBody>
-          <a:bodyPr>
-            <a:normAutofit/>
-          </a:bodyPr>
-          <a:lstStyle/>
-          <a:p>
-            <a:r>
-              <a:rPr lang="en-US" dirty="0"/>
-              <a:t>Resource </a:t>
-            </a:r>
-            <a:r>
-              <a:rPr lang="en-US" dirty="0" err="1" smtClean="0"/>
-              <a:t>Overallocation</a:t>
-            </a:r>
-            <a:endParaRPr lang="en-US" dirty="0"/>
-          </a:p>
-        </p:txBody>
-      </p:sp>
-      <p:sp>
-        <p:nvSpPr>
-          <p:cNvPr id="3" name="Content Placeholder 2"/>
-          <p:cNvSpPr>
-            <a:spLocks noGrp="1"/>
-          </p:cNvSpPr>
-          <p:nvPr>
-            <p:ph idx="1"/>
-          </p:nvPr>
-        </p:nvSpPr>
-        <p:spPr>
-          <a:xfrm>
-            <a:off x="457200" y="3368843"/>
-            <a:ext cx="8229600" cy="3208420"/>
-          </a:xfrm>
-        </p:spPr>
-        <p:txBody>
-          <a:bodyPr>
-            <a:normAutofit/>
-          </a:bodyPr>
-          <a:lstStyle/>
-          <a:p>
-            <a:r>
-              <a:rPr lang="en-US" altLang="zh-CN" b="1" dirty="0" smtClean="0"/>
-              <a:t>Fixes:</a:t>
-            </a:r>
-          </a:p>
-          <a:p>
-            <a:pPr lvl="1"/>
-            <a:r>
-              <a:rPr lang="zh-CN" altLang="en-US" dirty="0"/>
-              <a:t>去除</a:t>
-            </a:r>
-            <a:r>
-              <a:rPr lang="en-US" altLang="zh-CN" dirty="0"/>
-              <a:t>Summary Task</a:t>
-            </a:r>
-            <a:r>
-              <a:rPr lang="zh-CN" altLang="en-US" dirty="0"/>
-              <a:t>的人员分配</a:t>
-            </a:r>
-            <a:endParaRPr lang="en-US" altLang="zh-CN" dirty="0"/>
-          </a:p>
-          <a:p>
-            <a:pPr lvl="1"/>
-            <a:r>
-              <a:rPr lang="en-US" altLang="zh-CN" dirty="0" smtClean="0"/>
-              <a:t>Unit</a:t>
-            </a:r>
-            <a:endParaRPr lang="en-US" dirty="0" smtClean="0"/>
-          </a:p>
-          <a:p>
-            <a:pPr lvl="1"/>
-            <a:r>
-              <a:rPr lang="en-US" dirty="0" smtClean="0"/>
-              <a:t>Resource -&gt; Level Resource/Level All</a:t>
-            </a:r>
-          </a:p>
-        </p:txBody>
-      </p:sp>
-      <p:pic>
-        <p:nvPicPr>
-          <p:cNvPr id="5" name="Picture 4"/>
-          <p:cNvPicPr>
-            <a:picLocks noChangeAspect="1"/>
-          </p:cNvPicPr>
-          <p:nvPr/>
-        </p:nvPicPr>
-        <p:blipFill rotWithShape="1">
-          <a:blip r:embed="rId2"/>
-          <a:srcRect t="16363" r="52105" b="58936"/>
-          <a:stretch/>
-        </p:blipFill>
-        <p:spPr>
-          <a:xfrm>
-            <a:off x="1287379" y="1425743"/>
-            <a:ext cx="6569242" cy="2117557"/>
-          </a:xfrm>
-          <a:prstGeom prst="rect">
-            <a:avLst/>
-          </a:prstGeom>
-        </p:spPr>
-      </p:pic>
-    </p:spTree>
-    <p:extLst>
-      <p:ext uri="{BB962C8B-B14F-4D97-AF65-F5344CB8AC3E}">
-        <p14:creationId xmlns:p14="http://schemas.microsoft.com/office/powerpoint/2010/main" val="4210998213"/>
-      </p:ext>
-    </p:extLst>
-  </p:cSld>
-  <p:clrMapOvr>
-    <a:masterClrMapping/>
-  </p:clrMapOvr>
-  <p:timing>
-    <p:tnLst>
-      <p:par>
-        <p:cTn id="1" dur="indefinite" restart="never" nodeType="tmRoot"/>
-      </p:par>
-    </p:tnLst>
-  </p:timing>
-</p:sld>
-</file>
-
-<file path=ppt/slides/slide5.xml><?xml version="1.0" encoding="utf-8"?>
-<p:sld xmlns:a="http://schemas.openxmlformats.org/drawingml/2006/main" xmlns:r="http://schemas.openxmlformats.org/officeDocument/2006/relationships" xmlns:p="http://schemas.openxmlformats.org/presentationml/2006/main">
-  <p:cSld>
-    <p:spTree>
-      <p:nvGrpSpPr>
-        <p:cNvPr id="1" name=""/>
-        <p:cNvGrpSpPr/>
-        <p:nvPr/>
-      </p:nvGrpSpPr>
-      <p:grpSpPr>
-        <a:xfrm>
-          <a:off x="0" y="0"/>
-          <a:ext cx="0" cy="0"/>
-          <a:chOff x="0" y="0"/>
-          <a:chExt cx="0" cy="0"/>
-        </a:xfrm>
-      </p:grpSpPr>
-      <p:sp>
-        <p:nvSpPr>
-          <p:cNvPr id="2" name="Title 1"/>
-          <p:cNvSpPr>
-            <a:spLocks noGrp="1"/>
-          </p:cNvSpPr>
-          <p:nvPr>
-            <p:ph type="title"/>
-          </p:nvPr>
-        </p:nvSpPr>
-        <p:spPr/>
-        <p:txBody>
-          <a:bodyPr>
-            <a:normAutofit/>
-          </a:bodyPr>
-          <a:lstStyle/>
-          <a:p>
-            <a:r>
-              <a:rPr lang="en-US" altLang="zh-CN" dirty="0" smtClean="0"/>
-              <a:t>Previously on MS Project</a:t>
-            </a:r>
-            <a:endParaRPr lang="en-US" dirty="0"/>
-          </a:p>
-        </p:txBody>
-      </p:sp>
-      <p:sp>
-        <p:nvSpPr>
-          <p:cNvPr id="3" name="Content Placeholder 2"/>
-          <p:cNvSpPr>
-            <a:spLocks noGrp="1"/>
-          </p:cNvSpPr>
-          <p:nvPr>
-            <p:ph idx="1"/>
-          </p:nvPr>
-        </p:nvSpPr>
-        <p:spPr>
-          <a:xfrm>
-            <a:off x="457200" y="1600200"/>
-            <a:ext cx="8229600" cy="5041232"/>
-          </a:xfrm>
-        </p:spPr>
-        <p:txBody>
-          <a:bodyPr>
-            <a:normAutofit fontScale="92500"/>
-          </a:bodyPr>
-          <a:lstStyle/>
-          <a:p>
-            <a:r>
-              <a:rPr lang="en-US" altLang="zh-CN" dirty="0" smtClean="0"/>
-              <a:t>W4: </a:t>
-            </a:r>
-            <a:r>
-              <a:rPr lang="zh-CN" altLang="en-US" dirty="0" smtClean="0"/>
-              <a:t>计划（</a:t>
-            </a:r>
-            <a:r>
-              <a:rPr lang="en-US" altLang="zh-CN" dirty="0" smtClean="0"/>
-              <a:t>Planning</a:t>
-            </a:r>
-            <a:r>
-              <a:rPr lang="zh-CN" altLang="en-US" dirty="0" smtClean="0"/>
-              <a:t>）</a:t>
-            </a:r>
-            <a:endParaRPr lang="en-US" altLang="zh-CN" dirty="0" smtClean="0"/>
-          </a:p>
-          <a:p>
-            <a:pPr lvl="1"/>
-            <a:r>
-              <a:rPr lang="zh-CN" altLang="en-US" dirty="0"/>
-              <a:t>任务</a:t>
-            </a:r>
-            <a:r>
-              <a:rPr lang="zh-CN" altLang="en-US" dirty="0" smtClean="0"/>
-              <a:t>分解（</a:t>
-            </a:r>
-            <a:r>
-              <a:rPr lang="en-US" altLang="zh-CN" dirty="0" smtClean="0"/>
-              <a:t>Work Breakdown </a:t>
-            </a:r>
-            <a:r>
-              <a:rPr lang="en-US" altLang="zh-CN" dirty="0" err="1" smtClean="0"/>
-              <a:t>Struture</a:t>
-            </a:r>
-            <a:r>
-              <a:rPr lang="zh-CN" altLang="en-US" dirty="0" smtClean="0"/>
-              <a:t>）</a:t>
-            </a:r>
-            <a:endParaRPr lang="en-US" altLang="zh-CN" dirty="0" smtClean="0"/>
-          </a:p>
-          <a:p>
-            <a:pPr lvl="1"/>
-            <a:r>
-              <a:rPr lang="zh-CN" altLang="en-US" dirty="0" smtClean="0"/>
-              <a:t>任务分配（</a:t>
-            </a:r>
-            <a:r>
-              <a:rPr lang="en-US" altLang="zh-CN" dirty="0" smtClean="0"/>
-              <a:t>Task Assignment</a:t>
-            </a:r>
-            <a:r>
-              <a:rPr lang="zh-CN" altLang="en-US" dirty="0" smtClean="0"/>
-              <a:t>）</a:t>
-            </a:r>
-            <a:endParaRPr lang="en-US" altLang="zh-CN" dirty="0" smtClean="0"/>
-          </a:p>
-          <a:p>
-            <a:r>
-              <a:rPr lang="en-US" altLang="zh-CN" dirty="0" smtClean="0"/>
-              <a:t>W5: </a:t>
-            </a:r>
-            <a:r>
-              <a:rPr lang="zh-CN" altLang="en-US" dirty="0" smtClean="0"/>
-              <a:t>跟踪（</a:t>
-            </a:r>
-            <a:r>
-              <a:rPr lang="en-US" altLang="zh-CN" dirty="0" smtClean="0"/>
-              <a:t>Tracking</a:t>
-            </a:r>
-            <a:r>
-              <a:rPr lang="zh-CN" altLang="en-US" dirty="0" smtClean="0"/>
-              <a:t>）进度成本监控，过程可见</a:t>
-            </a:r>
-            <a:endParaRPr lang="en-US" altLang="zh-CN" dirty="0" smtClean="0"/>
-          </a:p>
-          <a:p>
-            <a:pPr lvl="1"/>
-            <a:r>
-              <a:rPr lang="zh-CN" altLang="en-US" dirty="0" smtClean="0"/>
-              <a:t>基准线设置（</a:t>
-            </a:r>
-            <a:r>
-              <a:rPr lang="en-US" altLang="zh-CN" dirty="0" smtClean="0"/>
-              <a:t>Setting Baseline</a:t>
-            </a:r>
-            <a:r>
-              <a:rPr lang="zh-CN" altLang="en-US" dirty="0" smtClean="0"/>
-              <a:t>）</a:t>
-            </a:r>
-            <a:endParaRPr lang="en-US" altLang="zh-CN" dirty="0" smtClean="0"/>
-          </a:p>
-          <a:p>
-            <a:pPr lvl="1"/>
-            <a:r>
-              <a:rPr lang="zh-CN" altLang="en-US" dirty="0" smtClean="0"/>
-              <a:t>实际进度</a:t>
-            </a:r>
-            <a:r>
-              <a:rPr lang="zh-CN" altLang="en-US" dirty="0"/>
-              <a:t>记录</a:t>
-            </a:r>
-            <a:r>
-              <a:rPr lang="zh-CN" altLang="en-US" dirty="0" smtClean="0"/>
-              <a:t>（</a:t>
-            </a:r>
-            <a:r>
-              <a:rPr lang="en-US" altLang="zh-CN" dirty="0" smtClean="0"/>
-              <a:t>Actual Start/Finish/Work/Duration</a:t>
-            </a:r>
-            <a:r>
-              <a:rPr lang="zh-CN" altLang="en-US" dirty="0" smtClean="0"/>
-              <a:t>）</a:t>
-            </a:r>
-            <a:endParaRPr lang="en-US" altLang="zh-CN" dirty="0" smtClean="0"/>
-          </a:p>
-          <a:p>
-            <a:pPr lvl="1"/>
-            <a:r>
-              <a:rPr lang="zh-CN" altLang="en-US" dirty="0"/>
-              <a:t>超时</a:t>
-            </a:r>
-            <a:r>
-              <a:rPr lang="zh-CN" altLang="en-US" dirty="0" smtClean="0"/>
-              <a:t>原因记录，成本效率分析</a:t>
-            </a:r>
-            <a:endParaRPr lang="en-US" dirty="0"/>
-          </a:p>
-        </p:txBody>
-      </p:sp>
-    </p:spTree>
-    <p:extLst>
-      <p:ext uri="{BB962C8B-B14F-4D97-AF65-F5344CB8AC3E}">
-        <p14:creationId xmlns:p14="http://schemas.microsoft.com/office/powerpoint/2010/main" val="3819795453"/>
-      </p:ext>
-    </p:extLst>
-  </p:cSld>
-  <p:clrMapOvr>
-    <a:masterClrMapping/>
-  </p:clrMapOvr>
-  <p:timing>
-    <p:tnLst>
-      <p:par>
-        <p:cTn id="1" dur="indefinite" restart="never" nodeType="tmRoot"/>
-      </p:par>
-    </p:tnLst>
-  </p:timing>
-</p:sld>
-</file>
-
-<file path=ppt/slides/slide6.xml><?xml version="1.0" encoding="utf-8"?>
-<p:sld xmlns:a="http://schemas.openxmlformats.org/drawingml/2006/main" xmlns:r="http://schemas.openxmlformats.org/officeDocument/2006/relationships" xmlns:p="http://schemas.openxmlformats.org/presentationml/2006/main">
-  <p:cSld>
-    <p:spTree>
-      <p:nvGrpSpPr>
-        <p:cNvPr id="1" name=""/>
-        <p:cNvGrpSpPr/>
-        <p:nvPr/>
-      </p:nvGrpSpPr>
-      <p:grpSpPr>
-        <a:xfrm>
-          <a:off x="0" y="0"/>
-          <a:ext cx="0" cy="0"/>
-          <a:chOff x="0" y="0"/>
-          <a:chExt cx="0" cy="0"/>
-        </a:xfrm>
-      </p:grpSpPr>
-      <p:sp>
-        <p:nvSpPr>
-          <p:cNvPr id="2" name="Title 1"/>
-          <p:cNvSpPr>
-            <a:spLocks noGrp="1"/>
-          </p:cNvSpPr>
-          <p:nvPr>
-            <p:ph type="title"/>
-          </p:nvPr>
-        </p:nvSpPr>
-        <p:spPr/>
-        <p:txBody>
-          <a:bodyPr/>
-          <a:lstStyle/>
-          <a:p>
-            <a:r>
-              <a:rPr lang="en-US" dirty="0" smtClean="0"/>
-              <a:t>Progress Tracking</a:t>
-            </a:r>
-            <a:endParaRPr lang="en-US" dirty="0"/>
-          </a:p>
-        </p:txBody>
-      </p:sp>
-      <p:sp>
-        <p:nvSpPr>
-          <p:cNvPr id="3" name="Content Placeholder 2"/>
-          <p:cNvSpPr>
-            <a:spLocks noGrp="1"/>
-          </p:cNvSpPr>
-          <p:nvPr>
-            <p:ph idx="1"/>
-          </p:nvPr>
-        </p:nvSpPr>
-        <p:spPr>
-          <a:xfrm>
-            <a:off x="457200" y="4086549"/>
-            <a:ext cx="3707176" cy="2408500"/>
-          </a:xfrm>
-        </p:spPr>
-        <p:txBody>
-          <a:bodyPr>
-            <a:normAutofit fontScale="77500" lnSpcReduction="20000"/>
-          </a:bodyPr>
-          <a:lstStyle/>
-          <a:p>
-            <a:r>
-              <a:rPr lang="en-US" altLang="zh-CN" dirty="0"/>
-              <a:t>1. </a:t>
-            </a:r>
-            <a:r>
-              <a:rPr lang="zh-CN" altLang="en-US" dirty="0"/>
-              <a:t>基准线设置（</a:t>
-            </a:r>
-            <a:r>
-              <a:rPr lang="en-US" altLang="zh-CN" dirty="0"/>
-              <a:t>Setting Baseline</a:t>
-            </a:r>
-            <a:r>
-              <a:rPr lang="zh-CN" altLang="en-US" dirty="0"/>
-              <a:t>）</a:t>
-            </a:r>
-            <a:endParaRPr lang="en-US" altLang="zh-CN" dirty="0"/>
-          </a:p>
-          <a:p>
-            <a:pPr lvl="1"/>
-            <a:r>
-              <a:rPr lang="en-US" altLang="zh-CN" i="1" dirty="0"/>
-              <a:t>Project -&gt; Set Baseline [</a:t>
-            </a:r>
-            <a:r>
-              <a:rPr lang="zh-CN" altLang="en-US" i="1" dirty="0"/>
-              <a:t>默认为整个项目，确认</a:t>
-            </a:r>
-            <a:r>
-              <a:rPr lang="en-US" altLang="zh-CN" i="1" dirty="0" smtClean="0"/>
-              <a:t>]</a:t>
-            </a:r>
-            <a:endParaRPr lang="en-US" altLang="zh-CN" i="1" dirty="0"/>
-          </a:p>
-        </p:txBody>
-      </p:sp>
-      <p:pic>
-        <p:nvPicPr>
-          <p:cNvPr id="5" name="Picture 4"/>
-          <p:cNvPicPr>
-            <a:picLocks noChangeAspect="1"/>
-          </p:cNvPicPr>
-          <p:nvPr/>
-        </p:nvPicPr>
-        <p:blipFill rotWithShape="1">
-          <a:blip r:embed="rId2"/>
-          <a:srcRect l="15351" r="52807" b="77649"/>
-          <a:stretch/>
-        </p:blipFill>
-        <p:spPr>
-          <a:xfrm>
-            <a:off x="575553" y="1700917"/>
-            <a:ext cx="4367464" cy="1916029"/>
-          </a:xfrm>
-          <a:prstGeom prst="rect">
-            <a:avLst/>
-          </a:prstGeom>
-        </p:spPr>
-      </p:pic>
-      <p:pic>
-        <p:nvPicPr>
-          <p:cNvPr id="6" name="Picture 5"/>
-          <p:cNvPicPr>
-            <a:picLocks noChangeAspect="1"/>
-          </p:cNvPicPr>
-          <p:nvPr/>
-        </p:nvPicPr>
-        <p:blipFill rotWithShape="1">
-          <a:blip r:embed="rId3"/>
-          <a:srcRect l="37719" t="28526" r="39357" b="33111"/>
-          <a:stretch/>
-        </p:blipFill>
-        <p:spPr>
-          <a:xfrm>
-            <a:off x="5294582" y="3212455"/>
-            <a:ext cx="3144254" cy="3288632"/>
-          </a:xfrm>
-          <a:prstGeom prst="rect">
-            <a:avLst/>
-          </a:prstGeom>
-        </p:spPr>
-      </p:pic>
-      <p:sp>
-        <p:nvSpPr>
-          <p:cNvPr id="11" name="Right Arrow 10"/>
-          <p:cNvSpPr/>
-          <p:nvPr/>
-        </p:nvSpPr>
-        <p:spPr>
-          <a:xfrm>
-            <a:off x="721485" y="1880646"/>
-            <a:ext cx="348664" cy="359043"/>
-          </a:xfrm>
-          <a:prstGeom prst="rightArrow">
-            <a:avLst/>
-          </a:prstGeom>
-          <a:solidFill>
-            <a:srgbClr val="FF0000"/>
-          </a:solidFill>
-        </p:spPr>
-        <p:style>
-          <a:lnRef idx="2">
-            <a:schemeClr val="accent1">
-              <a:shade val="50000"/>
-            </a:schemeClr>
-          </a:lnRef>
-          <a:fillRef idx="1">
-            <a:schemeClr val="accent1"/>
-          </a:fillRef>
-          <a:effectRef idx="0">
-            <a:schemeClr val="accent1"/>
-          </a:effectRef>
-          <a:fontRef idx="minor">
-            <a:schemeClr val="lt1"/>
-          </a:fontRef>
-        </p:style>
-        <p:txBody>
-          <a:bodyPr rtlCol="0" anchor="ctr"/>
-          <a:lstStyle/>
-          <a:p>
-            <a:pPr algn="ctr"/>
-            <a:endParaRPr lang="en-US"/>
-          </a:p>
-        </p:txBody>
-      </p:sp>
-      <p:sp>
-        <p:nvSpPr>
-          <p:cNvPr id="12" name="Right Arrow 11"/>
-          <p:cNvSpPr/>
-          <p:nvPr/>
-        </p:nvSpPr>
-        <p:spPr>
-          <a:xfrm>
-            <a:off x="5017052" y="3396925"/>
-            <a:ext cx="348664" cy="359043"/>
-          </a:xfrm>
-          <a:prstGeom prst="rightArrow">
-            <a:avLst/>
-          </a:prstGeom>
-          <a:solidFill>
-            <a:srgbClr val="FF0000"/>
-          </a:solidFill>
-        </p:spPr>
-        <p:style>
-          <a:lnRef idx="2">
-            <a:schemeClr val="accent1">
-              <a:shade val="50000"/>
-            </a:schemeClr>
-          </a:lnRef>
-          <a:fillRef idx="1">
-            <a:schemeClr val="accent1"/>
-          </a:fillRef>
-          <a:effectRef idx="0">
-            <a:schemeClr val="accent1"/>
-          </a:effectRef>
-          <a:fontRef idx="minor">
-            <a:schemeClr val="lt1"/>
-          </a:fontRef>
-        </p:style>
-        <p:txBody>
-          <a:bodyPr rtlCol="0" anchor="ctr"/>
-          <a:lstStyle/>
-          <a:p>
-            <a:pPr algn="ctr"/>
-            <a:endParaRPr lang="en-US"/>
-          </a:p>
-        </p:txBody>
-      </p:sp>
-      <p:sp>
-        <p:nvSpPr>
-          <p:cNvPr id="13" name="Right Arrow 12"/>
-          <p:cNvSpPr/>
-          <p:nvPr/>
-        </p:nvSpPr>
-        <p:spPr>
-          <a:xfrm>
-            <a:off x="5144555" y="4573807"/>
-            <a:ext cx="348664" cy="359043"/>
-          </a:xfrm>
-          <a:prstGeom prst="rightArrow">
-            <a:avLst/>
-          </a:prstGeom>
-          <a:solidFill>
-            <a:srgbClr val="FF0000"/>
-          </a:solidFill>
-        </p:spPr>
-        <p:style>
-          <a:lnRef idx="2">
-            <a:schemeClr val="accent1">
-              <a:shade val="50000"/>
-            </a:schemeClr>
-          </a:lnRef>
-          <a:fillRef idx="1">
-            <a:schemeClr val="accent1"/>
-          </a:fillRef>
-          <a:effectRef idx="0">
-            <a:schemeClr val="accent1"/>
-          </a:effectRef>
-          <a:fontRef idx="minor">
-            <a:schemeClr val="lt1"/>
-          </a:fontRef>
-        </p:style>
-        <p:txBody>
-          <a:bodyPr rtlCol="0" anchor="ctr"/>
-          <a:lstStyle/>
-          <a:p>
-            <a:pPr algn="ctr"/>
-            <a:endParaRPr lang="en-US"/>
-          </a:p>
-        </p:txBody>
-      </p:sp>
-      <p:sp>
-        <p:nvSpPr>
-          <p:cNvPr id="14" name="Right Arrow 13"/>
-          <p:cNvSpPr/>
-          <p:nvPr/>
-        </p:nvSpPr>
-        <p:spPr>
-          <a:xfrm>
-            <a:off x="3046970" y="2804111"/>
-            <a:ext cx="348664" cy="359043"/>
-          </a:xfrm>
-          <a:prstGeom prst="rightArrow">
-            <a:avLst/>
-          </a:prstGeom>
-          <a:solidFill>
-            <a:srgbClr val="FF0000"/>
-          </a:solidFill>
-        </p:spPr>
-        <p:style>
-          <a:lnRef idx="2">
-            <a:schemeClr val="accent1">
-              <a:shade val="50000"/>
-            </a:schemeClr>
-          </a:lnRef>
-          <a:fillRef idx="1">
-            <a:schemeClr val="accent1"/>
-          </a:fillRef>
-          <a:effectRef idx="0">
-            <a:schemeClr val="accent1"/>
-          </a:effectRef>
-          <a:fontRef idx="minor">
-            <a:schemeClr val="lt1"/>
-          </a:fontRef>
-        </p:style>
-        <p:txBody>
-          <a:bodyPr rtlCol="0" anchor="ctr"/>
-          <a:lstStyle/>
-          <a:p>
-            <a:pPr algn="ctr"/>
-            <a:endParaRPr lang="en-US"/>
-          </a:p>
-        </p:txBody>
-      </p:sp>
-    </p:spTree>
-    <p:extLst>
-      <p:ext uri="{BB962C8B-B14F-4D97-AF65-F5344CB8AC3E}">
-        <p14:creationId xmlns:p14="http://schemas.microsoft.com/office/powerpoint/2010/main" val="2743160471"/>
-      </p:ext>
-    </p:extLst>
-  </p:cSld>
-  <p:clrMapOvr>
-    <a:masterClrMapping/>
-  </p:clrMapOvr>
-  <p:timing>
-    <p:tnLst>
-      <p:par>
-        <p:cTn id="1" dur="indefinite" restart="never" nodeType="tmRoot"/>
-      </p:par>
-    </p:tnLst>
-  </p:timing>
-</p:sld>
-</file>
-
-<file path=ppt/slides/slide7.xml><?xml version="1.0" encoding="utf-8"?>
-<p:sld xmlns:a="http://schemas.openxmlformats.org/drawingml/2006/main" xmlns:r="http://schemas.openxmlformats.org/officeDocument/2006/relationships" xmlns:p="http://schemas.openxmlformats.org/presentationml/2006/main">
-  <p:cSld>
-    <p:spTree>
-      <p:nvGrpSpPr>
-        <p:cNvPr id="1" name=""/>
-        <p:cNvGrpSpPr/>
-        <p:nvPr/>
-      </p:nvGrpSpPr>
-      <p:grpSpPr>
-        <a:xfrm>
-          <a:off x="0" y="0"/>
-          <a:ext cx="0" cy="0"/>
-          <a:chOff x="0" y="0"/>
-          <a:chExt cx="0" cy="0"/>
-        </a:xfrm>
-      </p:grpSpPr>
-      <p:sp>
-        <p:nvSpPr>
-          <p:cNvPr id="2" name="Title 1"/>
-          <p:cNvSpPr>
-            <a:spLocks noGrp="1"/>
-          </p:cNvSpPr>
-          <p:nvPr>
-            <p:ph type="title"/>
-          </p:nvPr>
-        </p:nvSpPr>
-        <p:spPr/>
-        <p:txBody>
-          <a:bodyPr/>
-          <a:lstStyle/>
-          <a:p>
-            <a:r>
-              <a:rPr lang="en-US" dirty="0" smtClean="0"/>
-              <a:t>Progress Tracking</a:t>
-            </a:r>
-            <a:endParaRPr lang="en-US" dirty="0"/>
-          </a:p>
-        </p:txBody>
-      </p:sp>
-      <p:grpSp>
-        <p:nvGrpSpPr>
-          <p:cNvPr id="18" name="Group 17"/>
-          <p:cNvGrpSpPr/>
-          <p:nvPr/>
-        </p:nvGrpSpPr>
-        <p:grpSpPr>
-          <a:xfrm>
-            <a:off x="893097" y="1763966"/>
-            <a:ext cx="3759745" cy="4402555"/>
-            <a:chOff x="5046456" y="2094472"/>
-            <a:chExt cx="3759745" cy="4402555"/>
-          </a:xfrm>
-        </p:grpSpPr>
-        <p:pic>
-          <p:nvPicPr>
-            <p:cNvPr id="7" name="Picture 6"/>
-            <p:cNvPicPr>
-              <a:picLocks noChangeAspect="1"/>
-            </p:cNvPicPr>
-            <p:nvPr/>
-          </p:nvPicPr>
-          <p:blipFill rotWithShape="1">
-            <a:blip r:embed="rId2"/>
-            <a:srcRect l="23743" r="50117" b="48643"/>
-            <a:stretch/>
-          </p:blipFill>
-          <p:spPr>
-            <a:xfrm>
-              <a:off x="5220788" y="2094472"/>
-              <a:ext cx="3585413" cy="4402555"/>
-            </a:xfrm>
-            <a:prstGeom prst="rect">
-              <a:avLst/>
-            </a:prstGeom>
-          </p:spPr>
-        </p:pic>
-        <p:sp>
-          <p:nvSpPr>
-            <p:cNvPr id="16" name="Right Arrow 15"/>
-            <p:cNvSpPr/>
-            <p:nvPr/>
-          </p:nvSpPr>
-          <p:spPr>
-            <a:xfrm>
-              <a:off x="5046456" y="2252352"/>
-              <a:ext cx="348664" cy="359043"/>
-            </a:xfrm>
-            <a:prstGeom prst="rightArrow">
-              <a:avLst/>
-            </a:prstGeom>
-            <a:solidFill>
-              <a:srgbClr val="FF0000"/>
-            </a:solidFill>
-          </p:spPr>
-          <p:style>
-            <a:lnRef idx="2">
-              <a:schemeClr val="accent1">
-                <a:shade val="50000"/>
-              </a:schemeClr>
-            </a:lnRef>
-            <a:fillRef idx="1">
-              <a:schemeClr val="accent1"/>
-            </a:fillRef>
-            <a:effectRef idx="0">
-              <a:schemeClr val="accent1"/>
-            </a:effectRef>
-            <a:fontRef idx="minor">
-              <a:schemeClr val="lt1"/>
-            </a:fontRef>
-          </p:style>
-          <p:txBody>
-            <a:bodyPr rtlCol="0" anchor="ctr"/>
-            <a:lstStyle/>
-            <a:p>
-              <a:pPr algn="ctr"/>
-              <a:endParaRPr lang="en-US"/>
-            </a:p>
-          </p:txBody>
-        </p:sp>
-        <p:sp>
-          <p:nvSpPr>
-            <p:cNvPr id="17" name="Right Arrow 16"/>
-            <p:cNvSpPr/>
-            <p:nvPr/>
-          </p:nvSpPr>
-          <p:spPr>
-            <a:xfrm>
-              <a:off x="6415675" y="4397849"/>
-              <a:ext cx="348664" cy="359043"/>
-            </a:xfrm>
-            <a:prstGeom prst="rightArrow">
-              <a:avLst/>
-            </a:prstGeom>
-            <a:solidFill>
-              <a:srgbClr val="FF0000"/>
-            </a:solidFill>
-          </p:spPr>
-          <p:style>
-            <a:lnRef idx="2">
-              <a:schemeClr val="accent1">
-                <a:shade val="50000"/>
-              </a:schemeClr>
-            </a:lnRef>
-            <a:fillRef idx="1">
-              <a:schemeClr val="accent1"/>
-            </a:fillRef>
-            <a:effectRef idx="0">
-              <a:schemeClr val="accent1"/>
-            </a:effectRef>
-            <a:fontRef idx="minor">
-              <a:schemeClr val="lt1"/>
-            </a:fontRef>
-          </p:style>
-          <p:txBody>
-            <a:bodyPr rtlCol="0" anchor="ctr"/>
-            <a:lstStyle/>
-            <a:p>
-              <a:pPr algn="ctr"/>
-              <a:endParaRPr lang="en-US"/>
-            </a:p>
-          </p:txBody>
-        </p:sp>
-      </p:grpSp>
-      <p:sp>
-        <p:nvSpPr>
-          <p:cNvPr id="19" name="Rectangle 18"/>
-          <p:cNvSpPr/>
-          <p:nvPr/>
-        </p:nvSpPr>
-        <p:spPr>
-          <a:xfrm>
-            <a:off x="4827174" y="1897313"/>
-            <a:ext cx="4572000" cy="3847207"/>
-          </a:xfrm>
-          <a:prstGeom prst="rect">
-            <a:avLst/>
-          </a:prstGeom>
-        </p:spPr>
-        <p:txBody>
-          <a:bodyPr>
-            <a:spAutoFit/>
-          </a:bodyPr>
-          <a:lstStyle/>
-          <a:p>
-            <a:r>
-              <a:rPr lang="en-US" altLang="zh-CN" sz="3200" dirty="0"/>
-              <a:t>2</a:t>
-            </a:r>
-            <a:r>
-              <a:rPr lang="en-US" altLang="zh-CN" sz="3200" dirty="0" smtClean="0"/>
-              <a:t>.</a:t>
-            </a:r>
-            <a:r>
-              <a:rPr lang="zh-CN" altLang="en-US" sz="3200" dirty="0"/>
-              <a:t>添加实际进度</a:t>
-            </a:r>
-            <a:r>
-              <a:rPr lang="zh-CN" altLang="en-US" sz="3200" dirty="0" smtClean="0"/>
-              <a:t>列</a:t>
-            </a:r>
-            <a:endParaRPr lang="en-US" altLang="zh-CN" sz="3200" dirty="0" smtClean="0"/>
-          </a:p>
-          <a:p>
-            <a:r>
-              <a:rPr lang="en-US" altLang="zh-CN" sz="3200" dirty="0" smtClean="0"/>
-              <a:t>Actual Start</a:t>
-            </a:r>
-          </a:p>
-          <a:p>
-            <a:r>
-              <a:rPr lang="en-US" altLang="zh-CN" sz="3200" dirty="0" smtClean="0"/>
-              <a:t>Actual Finish</a:t>
-            </a:r>
-          </a:p>
-          <a:p>
-            <a:r>
-              <a:rPr lang="en-US" altLang="zh-CN" sz="3200" dirty="0" smtClean="0"/>
-              <a:t>Actual Work</a:t>
-            </a:r>
-          </a:p>
-          <a:p>
-            <a:r>
-              <a:rPr lang="en-US" altLang="zh-CN" sz="3200" dirty="0" smtClean="0"/>
-              <a:t>Actual Duration</a:t>
-            </a:r>
-            <a:endParaRPr lang="en-US" altLang="zh-CN" sz="3200" dirty="0"/>
-          </a:p>
-          <a:p>
-            <a:pPr lvl="1"/>
-            <a:r>
-              <a:rPr lang="en-US" altLang="zh-CN" sz="2800" i="1" dirty="0"/>
-              <a:t>View -&gt; </a:t>
-            </a:r>
-            <a:endParaRPr lang="en-US" altLang="zh-CN" sz="2800" i="1" dirty="0" smtClean="0"/>
-          </a:p>
-          <a:p>
-            <a:pPr lvl="1"/>
-            <a:r>
-              <a:rPr lang="en-US" altLang="zh-CN" sz="2800" i="1" dirty="0" smtClean="0"/>
-              <a:t>Tables </a:t>
-            </a:r>
-            <a:r>
-              <a:rPr lang="en-US" altLang="zh-CN" sz="2800" i="1" dirty="0"/>
-              <a:t>-&gt; </a:t>
-            </a:r>
-            <a:endParaRPr lang="en-US" altLang="zh-CN" sz="2800" i="1" dirty="0" smtClean="0"/>
-          </a:p>
-          <a:p>
-            <a:pPr lvl="1"/>
-            <a:r>
-              <a:rPr lang="en-US" altLang="zh-CN" sz="2800" i="1" dirty="0" smtClean="0"/>
-              <a:t>Tracking </a:t>
-            </a:r>
-          </a:p>
-        </p:txBody>
-      </p:sp>
-    </p:spTree>
-    <p:extLst>
-      <p:ext uri="{BB962C8B-B14F-4D97-AF65-F5344CB8AC3E}">
-        <p14:creationId xmlns:p14="http://schemas.microsoft.com/office/powerpoint/2010/main" val="3690645398"/>
-      </p:ext>
-    </p:extLst>
-  </p:cSld>
-  <p:clrMapOvr>
-    <a:masterClrMapping/>
-  </p:clrMapOvr>
-  <p:timing>
-    <p:tnLst>
-      <p:par>
-        <p:cTn id="1" dur="indefinite" restart="never" nodeType="tmRoot"/>
-      </p:par>
-    </p:tnLst>
-  </p:timing>
-</p:sld>
-</file>
-
-<file path=ppt/slides/slide8.xml><?xml version="1.0" encoding="utf-8"?>
-<p:sld xmlns:a="http://schemas.openxmlformats.org/drawingml/2006/main" xmlns:r="http://schemas.openxmlformats.org/officeDocument/2006/relationships" xmlns:p="http://schemas.openxmlformats.org/presentationml/2006/main">
-  <p:cSld>
-    <p:spTree>
-      <p:nvGrpSpPr>
-        <p:cNvPr id="1" name=""/>
-        <p:cNvGrpSpPr/>
-        <p:nvPr/>
-      </p:nvGrpSpPr>
-      <p:grpSpPr>
-        <a:xfrm>
-          <a:off x="0" y="0"/>
-          <a:ext cx="0" cy="0"/>
-          <a:chOff x="0" y="0"/>
-          <a:chExt cx="0" cy="0"/>
-        </a:xfrm>
-      </p:grpSpPr>
-      <p:sp>
-        <p:nvSpPr>
-          <p:cNvPr id="2" name="Title 1"/>
-          <p:cNvSpPr>
-            <a:spLocks noGrp="1"/>
-          </p:cNvSpPr>
-          <p:nvPr>
-            <p:ph type="title"/>
-          </p:nvPr>
-        </p:nvSpPr>
-        <p:spPr/>
-        <p:txBody>
-          <a:bodyPr/>
-          <a:lstStyle/>
-          <a:p>
-            <a:r>
-              <a:rPr lang="en-US" dirty="0" smtClean="0"/>
-              <a:t>Progress Tracking</a:t>
-            </a:r>
-            <a:endParaRPr lang="en-US" dirty="0"/>
-          </a:p>
-        </p:txBody>
-      </p:sp>
-      <p:sp>
-        <p:nvSpPr>
-          <p:cNvPr id="3" name="Content Placeholder 2"/>
-          <p:cNvSpPr>
-            <a:spLocks noGrp="1"/>
-          </p:cNvSpPr>
-          <p:nvPr>
-            <p:ph idx="1"/>
-          </p:nvPr>
-        </p:nvSpPr>
-        <p:spPr>
-          <a:xfrm>
-            <a:off x="4990641" y="1528512"/>
-            <a:ext cx="3608024" cy="4525963"/>
-          </a:xfrm>
-        </p:spPr>
-        <p:txBody>
-          <a:bodyPr>
-            <a:normAutofit/>
-          </a:bodyPr>
-          <a:lstStyle/>
-          <a:p>
-            <a:r>
-              <a:rPr lang="en-US" dirty="0" smtClean="0"/>
-              <a:t>3. </a:t>
-            </a:r>
-            <a:r>
-              <a:rPr lang="zh-CN" altLang="en-US" dirty="0" smtClean="0"/>
-              <a:t>显示基准线和实际进度对比</a:t>
-            </a:r>
-            <a:endParaRPr lang="en-US" dirty="0" smtClean="0"/>
-          </a:p>
-          <a:p>
-            <a:pPr lvl="1"/>
-            <a:r>
-              <a:rPr lang="en-US" altLang="zh-CN" i="1" dirty="0" smtClean="0"/>
-              <a:t>Gantt Chart -&gt; Tracking Gantt</a:t>
-            </a:r>
-            <a:endParaRPr lang="en-US" i="1" dirty="0"/>
-          </a:p>
-        </p:txBody>
-      </p:sp>
-      <p:pic>
-        <p:nvPicPr>
-          <p:cNvPr id="4" name="Picture 3"/>
-          <p:cNvPicPr>
-            <a:picLocks noChangeAspect="1"/>
-          </p:cNvPicPr>
-          <p:nvPr/>
-        </p:nvPicPr>
-        <p:blipFill rotWithShape="1">
-          <a:blip r:embed="rId2"/>
-          <a:srcRect r="83801" b="39099"/>
-          <a:stretch/>
-        </p:blipFill>
-        <p:spPr>
-          <a:xfrm>
-            <a:off x="1413883" y="1357413"/>
-            <a:ext cx="2221832" cy="5220703"/>
-          </a:xfrm>
-          <a:prstGeom prst="rect">
-            <a:avLst/>
-          </a:prstGeom>
-        </p:spPr>
-      </p:pic>
-    </p:spTree>
-    <p:extLst>
-      <p:ext uri="{BB962C8B-B14F-4D97-AF65-F5344CB8AC3E}">
-        <p14:creationId xmlns:p14="http://schemas.microsoft.com/office/powerpoint/2010/main" val="3407633070"/>
-      </p:ext>
-    </p:extLst>
-  </p:cSld>
-  <p:clrMapOvr>
-    <a:masterClrMapping/>
-  </p:clrMapOvr>
-  <p:timing>
-    <p:tnLst>
-      <p:par>
-        <p:cTn id="1" dur="indefinite" restart="never" nodeType="tmRoot"/>
-      </p:par>
-    </p:tnLst>
-  </p:timing>
-</p:sld>
-</file>
-
-<file path=ppt/slides/slide9.xml><?xml version="1.0" encoding="utf-8"?>
-<p:sld xmlns:a="http://schemas.openxmlformats.org/drawingml/2006/main" xmlns:r="http://schemas.openxmlformats.org/officeDocument/2006/relationships" xmlns:p="http://schemas.openxmlformats.org/presentationml/2006/main">
-  <p:cSld>
-    <p:spTree>
-      <p:nvGrpSpPr>
-        <p:cNvPr id="1" name=""/>
-        <p:cNvGrpSpPr/>
-        <p:nvPr/>
-      </p:nvGrpSpPr>
-      <p:grpSpPr>
-        <a:xfrm>
-          <a:off x="0" y="0"/>
-          <a:ext cx="0" cy="0"/>
-          <a:chOff x="0" y="0"/>
-          <a:chExt cx="0" cy="0"/>
-        </a:xfrm>
-      </p:grpSpPr>
-      <p:sp>
-        <p:nvSpPr>
-          <p:cNvPr id="2" name="Title 1"/>
-          <p:cNvSpPr>
-            <a:spLocks noGrp="1"/>
-          </p:cNvSpPr>
-          <p:nvPr>
-            <p:ph type="title"/>
-          </p:nvPr>
-        </p:nvSpPr>
-        <p:spPr/>
-        <p:txBody>
-          <a:bodyPr/>
-          <a:lstStyle/>
-          <a:p>
-            <a:r>
-              <a:rPr lang="en-US" dirty="0" smtClean="0"/>
-              <a:t>Progress Tracking</a:t>
-            </a:r>
-            <a:endParaRPr lang="en-US" dirty="0"/>
-          </a:p>
-        </p:txBody>
-      </p:sp>
-      <p:sp>
-        <p:nvSpPr>
-          <p:cNvPr id="3" name="Content Placeholder 2"/>
-          <p:cNvSpPr>
-            <a:spLocks noGrp="1"/>
-          </p:cNvSpPr>
-          <p:nvPr>
-            <p:ph idx="1"/>
-          </p:nvPr>
-        </p:nvSpPr>
-        <p:spPr/>
-        <p:txBody>
-          <a:bodyPr/>
-          <a:lstStyle/>
-          <a:p>
-            <a:endParaRPr lang="en-US"/>
-          </a:p>
-        </p:txBody>
-      </p:sp>
-      <p:pic>
-        <p:nvPicPr>
-          <p:cNvPr id="8" name="Picture 7"/>
-          <p:cNvPicPr>
-            <a:picLocks noChangeAspect="1"/>
-          </p:cNvPicPr>
-          <p:nvPr/>
-        </p:nvPicPr>
-        <p:blipFill rotWithShape="1">
-          <a:blip r:embed="rId2"/>
-          <a:srcRect r="32690" b="55567"/>
-          <a:stretch/>
-        </p:blipFill>
-        <p:spPr>
-          <a:xfrm>
-            <a:off x="206542" y="2142309"/>
-            <a:ext cx="8730916" cy="3602166"/>
-          </a:xfrm>
-          <a:prstGeom prst="rect">
-            <a:avLst/>
-          </a:prstGeom>
-        </p:spPr>
-      </p:pic>
-    </p:spTree>
-    <p:extLst>
-      <p:ext uri="{BB962C8B-B14F-4D97-AF65-F5344CB8AC3E}">
-        <p14:creationId xmlns:p14="http://schemas.microsoft.com/office/powerpoint/2010/main" val="1416018687"/>
-      </p:ext>
-    </p:extLst>
-  </p:cSld>
-  <p:clrMapOvr>
-    <a:masterClrMapping/>
-  </p:clrMapOvr>
-  <p:timing>
-    <p:tnLst>
-      <p:par>
-        <p:cTn id="1" dur="indefinite" restart="never" nodeType="tmRoot"/>
-      </p:par>
-    </p:tnLst>
-  </p:timing>
 </p:sld>
 </file>
 
